--- a/中越詩歌/快樂日_Ngày vui vẻ.pptx
+++ b/中越詩歌/快樂日_Ngày vui vẻ.pptx
@@ -154,6 +154,11 @@
       </a:defRPr>
     </a:lvl9pPr>
   </p:defaultTextStyle>
+  <p:extLst>
+    <p:ext uri="{EFAFB233-063F-42B5-8137-9DF3F51BA10A}">
+      <p15:sldGuideLst xmlns:p15="http://schemas.microsoft.com/office/powerpoint/2012/main"/>
+    </p:ext>
+  </p:extLst>
 </p:presentation>
 </file>
 
@@ -338,7 +343,7 @@
           <a:p>
             <a:fld id="{9EA628F1-D616-4DC9-80D9-883686C037B6}" type="datetimeFigureOut">
               <a:rPr lang="vi-VN" smtClean="0"/>
-              <a:t>19/12/2020</a:t>
+              <a:t>15/04/2022</a:t>
             </a:fld>
             <a:endParaRPr lang="vi-VN"/>
           </a:p>
@@ -508,7 +513,7 @@
           <a:p>
             <a:fld id="{9EA628F1-D616-4DC9-80D9-883686C037B6}" type="datetimeFigureOut">
               <a:rPr lang="vi-VN" smtClean="0"/>
-              <a:t>19/12/2020</a:t>
+              <a:t>15/04/2022</a:t>
             </a:fld>
             <a:endParaRPr lang="vi-VN"/>
           </a:p>
@@ -688,7 +693,7 @@
           <a:p>
             <a:fld id="{9EA628F1-D616-4DC9-80D9-883686C037B6}" type="datetimeFigureOut">
               <a:rPr lang="vi-VN" smtClean="0"/>
-              <a:t>19/12/2020</a:t>
+              <a:t>15/04/2022</a:t>
             </a:fld>
             <a:endParaRPr lang="vi-VN"/>
           </a:p>
@@ -858,7 +863,7 @@
           <a:p>
             <a:fld id="{9EA628F1-D616-4DC9-80D9-883686C037B6}" type="datetimeFigureOut">
               <a:rPr lang="vi-VN" smtClean="0"/>
-              <a:t>19/12/2020</a:t>
+              <a:t>15/04/2022</a:t>
             </a:fld>
             <a:endParaRPr lang="vi-VN"/>
           </a:p>
@@ -1104,7 +1109,7 @@
           <a:p>
             <a:fld id="{9EA628F1-D616-4DC9-80D9-883686C037B6}" type="datetimeFigureOut">
               <a:rPr lang="vi-VN" smtClean="0"/>
-              <a:t>19/12/2020</a:t>
+              <a:t>15/04/2022</a:t>
             </a:fld>
             <a:endParaRPr lang="vi-VN"/>
           </a:p>
@@ -1392,7 +1397,7 @@
           <a:p>
             <a:fld id="{9EA628F1-D616-4DC9-80D9-883686C037B6}" type="datetimeFigureOut">
               <a:rPr lang="vi-VN" smtClean="0"/>
-              <a:t>19/12/2020</a:t>
+              <a:t>15/04/2022</a:t>
             </a:fld>
             <a:endParaRPr lang="vi-VN"/>
           </a:p>
@@ -1814,7 +1819,7 @@
           <a:p>
             <a:fld id="{9EA628F1-D616-4DC9-80D9-883686C037B6}" type="datetimeFigureOut">
               <a:rPr lang="vi-VN" smtClean="0"/>
-              <a:t>19/12/2020</a:t>
+              <a:t>15/04/2022</a:t>
             </a:fld>
             <a:endParaRPr lang="vi-VN"/>
           </a:p>
@@ -1932,7 +1937,7 @@
           <a:p>
             <a:fld id="{9EA628F1-D616-4DC9-80D9-883686C037B6}" type="datetimeFigureOut">
               <a:rPr lang="vi-VN" smtClean="0"/>
-              <a:t>19/12/2020</a:t>
+              <a:t>15/04/2022</a:t>
             </a:fld>
             <a:endParaRPr lang="vi-VN"/>
           </a:p>
@@ -2027,7 +2032,7 @@
           <a:p>
             <a:fld id="{9EA628F1-D616-4DC9-80D9-883686C037B6}" type="datetimeFigureOut">
               <a:rPr lang="vi-VN" smtClean="0"/>
-              <a:t>19/12/2020</a:t>
+              <a:t>15/04/2022</a:t>
             </a:fld>
             <a:endParaRPr lang="vi-VN"/>
           </a:p>
@@ -2304,7 +2309,7 @@
           <a:p>
             <a:fld id="{9EA628F1-D616-4DC9-80D9-883686C037B6}" type="datetimeFigureOut">
               <a:rPr lang="vi-VN" smtClean="0"/>
-              <a:t>19/12/2020</a:t>
+              <a:t>15/04/2022</a:t>
             </a:fld>
             <a:endParaRPr lang="vi-VN"/>
           </a:p>
@@ -2561,7 +2566,7 @@
           <a:p>
             <a:fld id="{9EA628F1-D616-4DC9-80D9-883686C037B6}" type="datetimeFigureOut">
               <a:rPr lang="vi-VN" smtClean="0"/>
-              <a:t>19/12/2020</a:t>
+              <a:t>15/04/2022</a:t>
             </a:fld>
             <a:endParaRPr lang="vi-VN"/>
           </a:p>
@@ -2779,7 +2784,7 @@
           <a:p>
             <a:fld id="{9EA628F1-D616-4DC9-80D9-883686C037B6}" type="datetimeFigureOut">
               <a:rPr lang="vi-VN" smtClean="0"/>
-              <a:t>19/12/2020</a:t>
+              <a:t>15/04/2022</a:t>
             </a:fld>
             <a:endParaRPr lang="vi-VN"/>
           </a:p>
@@ -3191,24 +3196,7 @@
                 <a:latin typeface="微軟正黑體" pitchFamily="34" charset="-120"/>
                 <a:ea typeface="微軟正黑體" pitchFamily="34" charset="-120"/>
               </a:rPr>
-              <a:t>快</a:t>
-            </a:r>
-            <a:r>
-              <a:rPr lang="zh-CN" altLang="en-US" sz="7200" b="1" i="1" dirty="0">
-                <a:solidFill>
-                  <a:srgbClr val="660033"/>
-                </a:solidFill>
-                <a:effectLst>
-                  <a:outerShdw blurRad="38100" dist="38100" dir="2700000" algn="tl">
-                    <a:srgbClr val="000000">
-                      <a:alpha val="43137"/>
-                    </a:srgbClr>
-                  </a:outerShdw>
-                </a:effectLst>
-                <a:latin typeface="微軟正黑體" pitchFamily="34" charset="-120"/>
-                <a:ea typeface="微軟正黑體" pitchFamily="34" charset="-120"/>
-              </a:rPr>
-              <a:t>樂日</a:t>
+              <a:t>快樂日</a:t>
             </a:r>
             <a:endParaRPr lang="zh-TW" altLang="en-US" sz="7200" b="1" i="1" dirty="0">
               <a:solidFill>
@@ -3866,16 +3854,7 @@
                 </a:solidFill>
                 <a:ea typeface="微軟正黑體" pitchFamily="34" charset="-120"/>
               </a:rPr>
-              <a:t>Khi </a:t>
-            </a:r>
-            <a:r>
-              <a:rPr lang="vi-VN" b="1" dirty="0">
-                <a:solidFill>
-                  <a:srgbClr val="660033"/>
-                </a:solidFill>
-                <a:ea typeface="微軟正黑體" pitchFamily="34" charset="-120"/>
-              </a:rPr>
-              <a:t>Chúa rửa tôi sạch sẽ mọi đường</a:t>
+              <a:t>Khi Chúa rửa tôi sạch sẽ mọi đường</a:t>
             </a:r>
           </a:p>
         </p:txBody>
@@ -4158,7 +4137,23 @@
                   <a:srgbClr val="000066"/>
                 </a:solidFill>
               </a:rPr>
-              <a:t>( 2 )</a:t>
+              <a:t>( </a:t>
+            </a:r>
+            <a:r>
+              <a:rPr lang="en-US" sz="4267" b="1" dirty="0" smtClean="0">
+                <a:solidFill>
+                  <a:srgbClr val="000066"/>
+                </a:solidFill>
+              </a:rPr>
+              <a:t>2 </a:t>
+            </a:r>
+            <a:r>
+              <a:rPr lang="en-US" sz="4267" b="1" dirty="0">
+                <a:solidFill>
+                  <a:srgbClr val="000066"/>
+                </a:solidFill>
+              </a:rPr>
+              <a:t>/ 5 )</a:t>
             </a:r>
             <a:endParaRPr lang="vi-VN" sz="4267" b="1" dirty="0">
               <a:solidFill>
@@ -4446,7 +4441,7 @@
                   <a:srgbClr val="000066"/>
                 </a:solidFill>
               </a:rPr>
-              <a:t>( 2 )</a:t>
+              <a:t>( 2 / 5 )</a:t>
             </a:r>
             <a:endParaRPr lang="vi-VN" sz="4267" b="1" dirty="0">
               <a:solidFill>
@@ -4734,7 +4729,7 @@
                   <a:srgbClr val="000066"/>
                 </a:solidFill>
               </a:rPr>
-              <a:t>( 2 )</a:t>
+              <a:t>( 2 / 5 )</a:t>
             </a:r>
             <a:endParaRPr lang="vi-VN" sz="4267" b="1" dirty="0">
               <a:solidFill>
@@ -5022,7 +5017,7 @@
                   <a:srgbClr val="000066"/>
                 </a:solidFill>
               </a:rPr>
-              <a:t>( 2 )</a:t>
+              <a:t>( 2 / 5 )</a:t>
             </a:r>
             <a:endParaRPr lang="vi-VN" sz="4267" b="1" dirty="0">
               <a:solidFill>
@@ -5525,16 +5520,7 @@
                 </a:solidFill>
                 <a:ea typeface="微軟正黑體" pitchFamily="34" charset="-120"/>
               </a:rPr>
-              <a:t>Khi </a:t>
-            </a:r>
-            <a:r>
-              <a:rPr lang="vi-VN" b="1" dirty="0">
-                <a:solidFill>
-                  <a:srgbClr val="660033"/>
-                </a:solidFill>
-                <a:ea typeface="微軟正黑體" pitchFamily="34" charset="-120"/>
-              </a:rPr>
-              <a:t>Chúa rửa tôi sạch sẽ mọi đường</a:t>
+              <a:t>Khi Chúa rửa tôi sạch sẽ mọi đường</a:t>
             </a:r>
           </a:p>
         </p:txBody>
@@ -6112,17 +6098,7 @@
                 <a:latin typeface="微軟正黑體" pitchFamily="34" charset="-120"/>
                 <a:ea typeface="微軟正黑體" pitchFamily="34" charset="-120"/>
               </a:rPr>
-              <a:t>前</a:t>
-            </a:r>
-            <a:r>
-              <a:rPr lang="zh-CN" altLang="en-US" sz="6400" b="1" dirty="0">
-                <a:solidFill>
-                  <a:srgbClr val="000066"/>
-                </a:solidFill>
-                <a:latin typeface="微軟正黑體" pitchFamily="34" charset="-120"/>
-                <a:ea typeface="微軟正黑體" pitchFamily="34" charset="-120"/>
-              </a:rPr>
-              <a:t>有一日  我意立定</a:t>
+              <a:t>前有一日  我意立定</a:t>
             </a:r>
             <a:endParaRPr lang="en-US" altLang="zh-CN" sz="6400" b="1" dirty="0">
               <a:solidFill>
@@ -6337,7 +6313,23 @@
                   <a:srgbClr val="000066"/>
                 </a:solidFill>
               </a:rPr>
-              <a:t>( 1 )</a:t>
+              <a:t>( </a:t>
+            </a:r>
+            <a:r>
+              <a:rPr lang="en-US" sz="4267" b="1" dirty="0" smtClean="0">
+                <a:solidFill>
+                  <a:srgbClr val="000066"/>
+                </a:solidFill>
+              </a:rPr>
+              <a:t>1 / 5 </a:t>
+            </a:r>
+            <a:r>
+              <a:rPr lang="en-US" sz="4267" b="1" dirty="0">
+                <a:solidFill>
+                  <a:srgbClr val="000066"/>
+                </a:solidFill>
+              </a:rPr>
+              <a:t>)</a:t>
             </a:r>
             <a:endParaRPr lang="vi-VN" sz="4267" b="1" dirty="0">
               <a:solidFill>
@@ -6840,16 +6832,7 @@
                 </a:solidFill>
                 <a:ea typeface="微軟正黑體" pitchFamily="34" charset="-120"/>
               </a:rPr>
-              <a:t>Khi </a:t>
-            </a:r>
-            <a:r>
-              <a:rPr lang="vi-VN" b="1" dirty="0">
-                <a:solidFill>
-                  <a:srgbClr val="660033"/>
-                </a:solidFill>
-                <a:ea typeface="微軟正黑體" pitchFamily="34" charset="-120"/>
-              </a:rPr>
-              <a:t>Chúa rửa tôi sạch sẽ mọi đường</a:t>
+              <a:t>Khi Chúa rửa tôi sạch sẽ mọi đường</a:t>
             </a:r>
           </a:p>
         </p:txBody>
@@ -7132,7 +7115,23 @@
                   <a:srgbClr val="000066"/>
                 </a:solidFill>
               </a:rPr>
-              <a:t>( 3 )</a:t>
+              <a:t>( </a:t>
+            </a:r>
+            <a:r>
+              <a:rPr lang="en-US" sz="4267" b="1" dirty="0" smtClean="0">
+                <a:solidFill>
+                  <a:srgbClr val="000066"/>
+                </a:solidFill>
+              </a:rPr>
+              <a:t>3 </a:t>
+            </a:r>
+            <a:r>
+              <a:rPr lang="en-US" sz="4267" b="1" dirty="0">
+                <a:solidFill>
+                  <a:srgbClr val="000066"/>
+                </a:solidFill>
+              </a:rPr>
+              <a:t>/ 5 )</a:t>
             </a:r>
             <a:endParaRPr lang="vi-VN" sz="4267" b="1" dirty="0">
               <a:solidFill>
@@ -7420,7 +7419,7 @@
                   <a:srgbClr val="000066"/>
                 </a:solidFill>
               </a:rPr>
-              <a:t>( 3 )</a:t>
+              <a:t>( 3 / 5 )</a:t>
             </a:r>
             <a:endParaRPr lang="vi-VN" sz="4267" b="1" dirty="0">
               <a:solidFill>
@@ -7708,7 +7707,7 @@
                   <a:srgbClr val="000066"/>
                 </a:solidFill>
               </a:rPr>
-              <a:t>( 3 )</a:t>
+              <a:t>( 3 / 5 )</a:t>
             </a:r>
             <a:endParaRPr lang="vi-VN" sz="4267" b="1" dirty="0">
               <a:solidFill>
@@ -7996,7 +7995,7 @@
                   <a:srgbClr val="000066"/>
                 </a:solidFill>
               </a:rPr>
-              <a:t>( 3 )</a:t>
+              <a:t>( 3 / 5 )</a:t>
             </a:r>
             <a:endParaRPr lang="vi-VN" sz="4267" b="1" dirty="0">
               <a:solidFill>
@@ -8499,16 +8498,7 @@
                 </a:solidFill>
                 <a:ea typeface="微軟正黑體" pitchFamily="34" charset="-120"/>
               </a:rPr>
-              <a:t>Khi </a:t>
-            </a:r>
-            <a:r>
-              <a:rPr lang="vi-VN" b="1" dirty="0">
-                <a:solidFill>
-                  <a:srgbClr val="660033"/>
-                </a:solidFill>
-                <a:ea typeface="微軟正黑體" pitchFamily="34" charset="-120"/>
-              </a:rPr>
-              <a:t>Chúa rửa tôi sạch sẽ mọi đường</a:t>
+              <a:t>Khi Chúa rửa tôi sạch sẽ mọi đường</a:t>
             </a:r>
           </a:p>
         </p:txBody>
@@ -9301,7 +9291,7 @@
                   <a:srgbClr val="000066"/>
                 </a:solidFill>
               </a:rPr>
-              <a:t>( 1 )</a:t>
+              <a:t>( 1 / 5 )</a:t>
             </a:r>
             <a:endParaRPr lang="vi-VN" sz="4267" b="1" dirty="0">
               <a:solidFill>
@@ -9804,16 +9794,7 @@
                 </a:solidFill>
                 <a:ea typeface="微軟正黑體" pitchFamily="34" charset="-120"/>
               </a:rPr>
-              <a:t>Khi </a:t>
-            </a:r>
-            <a:r>
-              <a:rPr lang="vi-VN" b="1" dirty="0">
-                <a:solidFill>
-                  <a:srgbClr val="660033"/>
-                </a:solidFill>
-                <a:ea typeface="微軟正黑體" pitchFamily="34" charset="-120"/>
-              </a:rPr>
-              <a:t>Chúa rửa tôi sạch sẽ mọi đường</a:t>
+              <a:t>Khi Chúa rửa tôi sạch sẽ mọi đường</a:t>
             </a:r>
           </a:p>
         </p:txBody>
@@ -10116,7 +10097,23 @@
                   <a:srgbClr val="000066"/>
                 </a:solidFill>
               </a:rPr>
-              <a:t>( 4 )</a:t>
+              <a:t>( </a:t>
+            </a:r>
+            <a:r>
+              <a:rPr lang="en-US" sz="4267" b="1" dirty="0" smtClean="0">
+                <a:solidFill>
+                  <a:srgbClr val="000066"/>
+                </a:solidFill>
+              </a:rPr>
+              <a:t>4 </a:t>
+            </a:r>
+            <a:r>
+              <a:rPr lang="en-US" sz="4267" b="1" dirty="0">
+                <a:solidFill>
+                  <a:srgbClr val="000066"/>
+                </a:solidFill>
+              </a:rPr>
+              <a:t>/ 5 )</a:t>
             </a:r>
             <a:endParaRPr lang="vi-VN" sz="4267" b="1" dirty="0">
               <a:solidFill>
@@ -10425,7 +10422,7 @@
                   <a:srgbClr val="000066"/>
                 </a:solidFill>
               </a:rPr>
-              <a:t>( 4 )</a:t>
+              <a:t>( 4 / 5 )</a:t>
             </a:r>
             <a:endParaRPr lang="vi-VN" sz="4267" b="1" dirty="0">
               <a:solidFill>
@@ -10734,7 +10731,7 @@
                   <a:srgbClr val="000066"/>
                 </a:solidFill>
               </a:rPr>
-              <a:t>( 4 )</a:t>
+              <a:t>( 4 / 5 )</a:t>
             </a:r>
             <a:endParaRPr lang="vi-VN" sz="4267" b="1" dirty="0">
               <a:solidFill>
@@ -11043,7 +11040,7 @@
                   <a:srgbClr val="000066"/>
                 </a:solidFill>
               </a:rPr>
-              <a:t>( 4 )</a:t>
+              <a:t>( 4 / 5 )</a:t>
             </a:r>
             <a:endParaRPr lang="vi-VN" sz="4267" b="1" dirty="0">
               <a:solidFill>
@@ -11546,16 +11543,7 @@
                 </a:solidFill>
                 <a:ea typeface="微軟正黑體" pitchFamily="34" charset="-120"/>
               </a:rPr>
-              <a:t>Khi </a:t>
-            </a:r>
-            <a:r>
-              <a:rPr lang="vi-VN" b="1" dirty="0">
-                <a:solidFill>
-                  <a:srgbClr val="660033"/>
-                </a:solidFill>
-                <a:ea typeface="微軟正黑體" pitchFamily="34" charset="-120"/>
-              </a:rPr>
-              <a:t>Chúa rửa tôi sạch sẽ mọi đường</a:t>
+              <a:t>Khi Chúa rửa tôi sạch sẽ mọi đường</a:t>
             </a:r>
           </a:p>
         </p:txBody>
@@ -12348,7 +12336,7 @@
                   <a:srgbClr val="000066"/>
                 </a:solidFill>
               </a:rPr>
-              <a:t>( 1 )</a:t>
+              <a:t>( 1 / 5 )</a:t>
             </a:r>
             <a:endParaRPr lang="vi-VN" sz="4267" b="1" dirty="0">
               <a:solidFill>
@@ -12851,16 +12839,7 @@
                 </a:solidFill>
                 <a:ea typeface="微軟正黑體" pitchFamily="34" charset="-120"/>
               </a:rPr>
-              <a:t>Khi </a:t>
-            </a:r>
-            <a:r>
-              <a:rPr lang="vi-VN" b="1" dirty="0">
-                <a:solidFill>
-                  <a:srgbClr val="660033"/>
-                </a:solidFill>
-                <a:ea typeface="微軟正黑體" pitchFamily="34" charset="-120"/>
-              </a:rPr>
-              <a:t>Chúa rửa tôi sạch sẽ mọi đường</a:t>
+              <a:t>Khi Chúa rửa tôi sạch sẽ mọi đường</a:t>
             </a:r>
           </a:p>
         </p:txBody>
@@ -13143,7 +13122,23 @@
                   <a:srgbClr val="000066"/>
                 </a:solidFill>
               </a:rPr>
-              <a:t>( 5 )</a:t>
+              <a:t>( </a:t>
+            </a:r>
+            <a:r>
+              <a:rPr lang="en-US" sz="4267" b="1" dirty="0" smtClean="0">
+                <a:solidFill>
+                  <a:srgbClr val="000066"/>
+                </a:solidFill>
+              </a:rPr>
+              <a:t>5 </a:t>
+            </a:r>
+            <a:r>
+              <a:rPr lang="en-US" sz="4267" b="1" dirty="0">
+                <a:solidFill>
+                  <a:srgbClr val="000066"/>
+                </a:solidFill>
+              </a:rPr>
+              <a:t>/ 5 )</a:t>
             </a:r>
             <a:endParaRPr lang="vi-VN" sz="4267" b="1" dirty="0">
               <a:solidFill>
@@ -13431,7 +13426,7 @@
                   <a:srgbClr val="000066"/>
                 </a:solidFill>
               </a:rPr>
-              <a:t>( 5 )</a:t>
+              <a:t>( 5 / 5 )</a:t>
             </a:r>
             <a:endParaRPr lang="vi-VN" sz="4267" b="1" dirty="0">
               <a:solidFill>
@@ -13687,12 +13682,6 @@
               </a:rPr>
               <a:t>Từ đây tôi mãi mừng vui ca múa</a:t>
             </a:r>
-            <a:endParaRPr lang="vi-VN" b="1" dirty="0">
-              <a:solidFill>
-                <a:srgbClr val="660033"/>
-              </a:solidFill>
-              <a:ea typeface="微軟正黑體" pitchFamily="34" charset="-120"/>
-            </a:endParaRPr>
           </a:p>
         </p:txBody>
       </p:sp>
@@ -13725,7 +13714,7 @@
                   <a:srgbClr val="000066"/>
                 </a:solidFill>
               </a:rPr>
-              <a:t>( 5 )</a:t>
+              <a:t>( 5 / 5 )</a:t>
             </a:r>
             <a:endParaRPr lang="vi-VN" sz="4267" b="1" dirty="0">
               <a:solidFill>
@@ -13981,12 +13970,6 @@
               </a:rPr>
               <a:t>Đi khắp mỗi nơi truyền bá Tin Lành</a:t>
             </a:r>
-            <a:endParaRPr lang="vi-VN" b="1" dirty="0">
-              <a:solidFill>
-                <a:srgbClr val="660033"/>
-              </a:solidFill>
-              <a:ea typeface="微軟正黑體" pitchFamily="34" charset="-120"/>
-            </a:endParaRPr>
           </a:p>
         </p:txBody>
       </p:sp>
@@ -14019,7 +14002,7 @@
                   <a:srgbClr val="000066"/>
                 </a:solidFill>
               </a:rPr>
-              <a:t>( 5 )</a:t>
+              <a:t>( 5 / 5 )</a:t>
             </a:r>
             <a:endParaRPr lang="vi-VN" sz="4267" b="1" dirty="0">
               <a:solidFill>
@@ -14522,16 +14505,7 @@
                 </a:solidFill>
                 <a:ea typeface="微軟正黑體" pitchFamily="34" charset="-120"/>
               </a:rPr>
-              <a:t>Khi </a:t>
-            </a:r>
-            <a:r>
-              <a:rPr lang="vi-VN" b="1" dirty="0">
-                <a:solidFill>
-                  <a:srgbClr val="660033"/>
-                </a:solidFill>
-                <a:ea typeface="微軟正黑體" pitchFamily="34" charset="-120"/>
-              </a:rPr>
-              <a:t>Chúa rửa tôi sạch sẽ mọi đường</a:t>
+              <a:t>Khi Chúa rửa tôi sạch sẽ mọi đường</a:t>
             </a:r>
           </a:p>
         </p:txBody>
@@ -15109,17 +15083,7 @@
                 <a:latin typeface="微軟正黑體" pitchFamily="34" charset="-120"/>
                 <a:ea typeface="微軟正黑體" pitchFamily="34" charset="-120"/>
               </a:rPr>
-              <a:t>我</a:t>
-            </a:r>
-            <a:r>
-              <a:rPr lang="zh-CN" altLang="en-US" sz="6400" b="1" dirty="0">
-                <a:solidFill>
-                  <a:srgbClr val="000066"/>
-                </a:solidFill>
-                <a:latin typeface="微軟正黑體" pitchFamily="34" charset="-120"/>
-                <a:ea typeface="微軟正黑體" pitchFamily="34" charset="-120"/>
-              </a:rPr>
-              <a:t>願到處  傳主救恩</a:t>
+              <a:t>我願到處  傳主救恩</a:t>
             </a:r>
             <a:endParaRPr lang="vi-VN" sz="6400" b="1" dirty="0">
               <a:solidFill>
@@ -15334,7 +15298,7 @@
                   <a:srgbClr val="000066"/>
                 </a:solidFill>
               </a:rPr>
-              <a:t>( 1 )</a:t>
+              <a:t>( 1 / 5 )</a:t>
             </a:r>
             <a:endParaRPr lang="vi-VN" sz="4267" b="1" dirty="0">
               <a:solidFill>
@@ -15837,16 +15801,7 @@
                 </a:solidFill>
                 <a:ea typeface="微軟正黑體" pitchFamily="34" charset="-120"/>
               </a:rPr>
-              <a:t>Khi </a:t>
-            </a:r>
-            <a:r>
-              <a:rPr lang="vi-VN" b="1" dirty="0">
-                <a:solidFill>
-                  <a:srgbClr val="660033"/>
-                </a:solidFill>
-                <a:ea typeface="微軟正黑體" pitchFamily="34" charset="-120"/>
-              </a:rPr>
-              <a:t>Chúa rửa tôi sạch sẽ mọi đường</a:t>
+              <a:t>Khi Chúa rửa tôi sạch sẽ mọi đường</a:t>
             </a:r>
           </a:p>
         </p:txBody>
@@ -16344,16 +16299,7 @@
                 </a:solidFill>
                 <a:ea typeface="微軟正黑體" pitchFamily="34" charset="-120"/>
               </a:rPr>
-              <a:t>Khi </a:t>
-            </a:r>
-            <a:r>
-              <a:rPr lang="vi-VN" b="1" dirty="0">
-                <a:solidFill>
-                  <a:srgbClr val="660033"/>
-                </a:solidFill>
-                <a:ea typeface="微軟正黑體" pitchFamily="34" charset="-120"/>
-              </a:rPr>
-              <a:t>Chúa rửa tôi sạch sẽ mọi đường</a:t>
+              <a:t>Khi Chúa rửa tôi sạch sẽ mọi đường</a:t>
             </a:r>
           </a:p>
         </p:txBody>

--- a/中越詩歌/快樂日_Ngày vui vẻ.pptx
+++ b/中越詩歌/快樂日_Ngày vui vẻ.pptx
@@ -200,7 +200,7 @@
           <a:lstStyle/>
           <a:p>
             <a:r>
-              <a:rPr lang="en-US" altLang="zh-TW" smtClean="0"/>
+              <a:rPr lang="en-US" altLang="zh-TW"/>
               <a:t>Click to edit Master title style</a:t>
             </a:r>
             <a:endParaRPr lang="zh-TW" altLang="en-US"/>
@@ -319,7 +319,7 @@
           </a:lstStyle>
           <a:p>
             <a:r>
-              <a:rPr lang="en-US" altLang="zh-TW" smtClean="0"/>
+              <a:rPr lang="en-US" altLang="zh-TW"/>
               <a:t>Click to edit Master subtitle style</a:t>
             </a:r>
             <a:endParaRPr lang="zh-TW" altLang="en-US"/>
@@ -343,7 +343,7 @@
           <a:p>
             <a:fld id="{9EA628F1-D616-4DC9-80D9-883686C037B6}" type="datetimeFigureOut">
               <a:rPr lang="vi-VN" smtClean="0"/>
-              <a:t>15/04/2022</a:t>
+              <a:t>16/12/2023</a:t>
             </a:fld>
             <a:endParaRPr lang="vi-VN"/>
           </a:p>
@@ -437,7 +437,7 @@
           <a:lstStyle/>
           <a:p>
             <a:r>
-              <a:rPr lang="en-US" altLang="zh-TW" smtClean="0"/>
+              <a:rPr lang="en-US" altLang="zh-TW"/>
               <a:t>Click to edit Master title style</a:t>
             </a:r>
             <a:endParaRPr lang="zh-TW" altLang="en-US"/>
@@ -461,35 +461,35 @@
           <a:p>
             <a:pPr lvl="0"/>
             <a:r>
-              <a:rPr lang="en-US" altLang="zh-TW" smtClean="0"/>
+              <a:rPr lang="en-US" altLang="zh-TW"/>
               <a:t>Edit Master text styles</a:t>
             </a:r>
           </a:p>
           <a:p>
             <a:pPr lvl="1"/>
             <a:r>
-              <a:rPr lang="en-US" altLang="zh-TW" smtClean="0"/>
+              <a:rPr lang="en-US" altLang="zh-TW"/>
               <a:t>Second level</a:t>
             </a:r>
           </a:p>
           <a:p>
             <a:pPr lvl="2"/>
             <a:r>
-              <a:rPr lang="en-US" altLang="zh-TW" smtClean="0"/>
+              <a:rPr lang="en-US" altLang="zh-TW"/>
               <a:t>Third level</a:t>
             </a:r>
           </a:p>
           <a:p>
             <a:pPr lvl="3"/>
             <a:r>
-              <a:rPr lang="en-US" altLang="zh-TW" smtClean="0"/>
+              <a:rPr lang="en-US" altLang="zh-TW"/>
               <a:t>Fourth level</a:t>
             </a:r>
           </a:p>
           <a:p>
             <a:pPr lvl="4"/>
             <a:r>
-              <a:rPr lang="en-US" altLang="zh-TW" smtClean="0"/>
+              <a:rPr lang="en-US" altLang="zh-TW"/>
               <a:t>Fifth level</a:t>
             </a:r>
             <a:endParaRPr lang="zh-TW" altLang="en-US"/>
@@ -513,7 +513,7 @@
           <a:p>
             <a:fld id="{9EA628F1-D616-4DC9-80D9-883686C037B6}" type="datetimeFigureOut">
               <a:rPr lang="vi-VN" smtClean="0"/>
-              <a:t>15/04/2022</a:t>
+              <a:t>16/12/2023</a:t>
             </a:fld>
             <a:endParaRPr lang="vi-VN"/>
           </a:p>
@@ -612,7 +612,7 @@
           <a:lstStyle/>
           <a:p>
             <a:r>
-              <a:rPr lang="en-US" altLang="zh-TW" smtClean="0"/>
+              <a:rPr lang="en-US" altLang="zh-TW"/>
               <a:t>Click to edit Master title style</a:t>
             </a:r>
             <a:endParaRPr lang="zh-TW" altLang="en-US"/>
@@ -641,35 +641,35 @@
           <a:p>
             <a:pPr lvl="0"/>
             <a:r>
-              <a:rPr lang="en-US" altLang="zh-TW" smtClean="0"/>
+              <a:rPr lang="en-US" altLang="zh-TW"/>
               <a:t>Edit Master text styles</a:t>
             </a:r>
           </a:p>
           <a:p>
             <a:pPr lvl="1"/>
             <a:r>
-              <a:rPr lang="en-US" altLang="zh-TW" smtClean="0"/>
+              <a:rPr lang="en-US" altLang="zh-TW"/>
               <a:t>Second level</a:t>
             </a:r>
           </a:p>
           <a:p>
             <a:pPr lvl="2"/>
             <a:r>
-              <a:rPr lang="en-US" altLang="zh-TW" smtClean="0"/>
+              <a:rPr lang="en-US" altLang="zh-TW"/>
               <a:t>Third level</a:t>
             </a:r>
           </a:p>
           <a:p>
             <a:pPr lvl="3"/>
             <a:r>
-              <a:rPr lang="en-US" altLang="zh-TW" smtClean="0"/>
+              <a:rPr lang="en-US" altLang="zh-TW"/>
               <a:t>Fourth level</a:t>
             </a:r>
           </a:p>
           <a:p>
             <a:pPr lvl="4"/>
             <a:r>
-              <a:rPr lang="en-US" altLang="zh-TW" smtClean="0"/>
+              <a:rPr lang="en-US" altLang="zh-TW"/>
               <a:t>Fifth level</a:t>
             </a:r>
             <a:endParaRPr lang="zh-TW" altLang="en-US"/>
@@ -693,7 +693,7 @@
           <a:p>
             <a:fld id="{9EA628F1-D616-4DC9-80D9-883686C037B6}" type="datetimeFigureOut">
               <a:rPr lang="vi-VN" smtClean="0"/>
-              <a:t>15/04/2022</a:t>
+              <a:t>16/12/2023</a:t>
             </a:fld>
             <a:endParaRPr lang="vi-VN"/>
           </a:p>
@@ -787,7 +787,7 @@
           <a:lstStyle/>
           <a:p>
             <a:r>
-              <a:rPr lang="en-US" altLang="zh-TW" smtClean="0"/>
+              <a:rPr lang="en-US" altLang="zh-TW"/>
               <a:t>Click to edit Master title style</a:t>
             </a:r>
             <a:endParaRPr lang="zh-TW" altLang="en-US"/>
@@ -811,35 +811,35 @@
           <a:p>
             <a:pPr lvl="0"/>
             <a:r>
-              <a:rPr lang="en-US" altLang="zh-TW" smtClean="0"/>
+              <a:rPr lang="en-US" altLang="zh-TW"/>
               <a:t>Edit Master text styles</a:t>
             </a:r>
           </a:p>
           <a:p>
             <a:pPr lvl="1"/>
             <a:r>
-              <a:rPr lang="en-US" altLang="zh-TW" smtClean="0"/>
+              <a:rPr lang="en-US" altLang="zh-TW"/>
               <a:t>Second level</a:t>
             </a:r>
           </a:p>
           <a:p>
             <a:pPr lvl="2"/>
             <a:r>
-              <a:rPr lang="en-US" altLang="zh-TW" smtClean="0"/>
+              <a:rPr lang="en-US" altLang="zh-TW"/>
               <a:t>Third level</a:t>
             </a:r>
           </a:p>
           <a:p>
             <a:pPr lvl="3"/>
             <a:r>
-              <a:rPr lang="en-US" altLang="zh-TW" smtClean="0"/>
+              <a:rPr lang="en-US" altLang="zh-TW"/>
               <a:t>Fourth level</a:t>
             </a:r>
           </a:p>
           <a:p>
             <a:pPr lvl="4"/>
             <a:r>
-              <a:rPr lang="en-US" altLang="zh-TW" smtClean="0"/>
+              <a:rPr lang="en-US" altLang="zh-TW"/>
               <a:t>Fifth level</a:t>
             </a:r>
             <a:endParaRPr lang="zh-TW" altLang="en-US"/>
@@ -863,7 +863,7 @@
           <a:p>
             <a:fld id="{9EA628F1-D616-4DC9-80D9-883686C037B6}" type="datetimeFigureOut">
               <a:rPr lang="vi-VN" smtClean="0"/>
-              <a:t>15/04/2022</a:t>
+              <a:t>16/12/2023</a:t>
             </a:fld>
             <a:endParaRPr lang="vi-VN"/>
           </a:p>
@@ -966,7 +966,7 @@
           </a:lstStyle>
           <a:p>
             <a:r>
-              <a:rPr lang="en-US" altLang="zh-TW" smtClean="0"/>
+              <a:rPr lang="en-US" altLang="zh-TW"/>
               <a:t>Click to edit Master title style</a:t>
             </a:r>
             <a:endParaRPr lang="zh-TW" altLang="en-US"/>
@@ -1086,7 +1086,7 @@
           <a:p>
             <a:pPr lvl="0"/>
             <a:r>
-              <a:rPr lang="en-US" altLang="zh-TW" smtClean="0"/>
+              <a:rPr lang="en-US" altLang="zh-TW"/>
               <a:t>Edit Master text styles</a:t>
             </a:r>
           </a:p>
@@ -1109,7 +1109,7 @@
           <a:p>
             <a:fld id="{9EA628F1-D616-4DC9-80D9-883686C037B6}" type="datetimeFigureOut">
               <a:rPr lang="vi-VN" smtClean="0"/>
-              <a:t>15/04/2022</a:t>
+              <a:t>16/12/2023</a:t>
             </a:fld>
             <a:endParaRPr lang="vi-VN"/>
           </a:p>
@@ -1203,7 +1203,7 @@
           <a:lstStyle/>
           <a:p>
             <a:r>
-              <a:rPr lang="en-US" altLang="zh-TW" smtClean="0"/>
+              <a:rPr lang="en-US" altLang="zh-TW"/>
               <a:t>Click to edit Master title style</a:t>
             </a:r>
             <a:endParaRPr lang="zh-TW" altLang="en-US"/>
@@ -1260,35 +1260,35 @@
           <a:p>
             <a:pPr lvl="0"/>
             <a:r>
-              <a:rPr lang="en-US" altLang="zh-TW" smtClean="0"/>
+              <a:rPr lang="en-US" altLang="zh-TW"/>
               <a:t>Edit Master text styles</a:t>
             </a:r>
           </a:p>
           <a:p>
             <a:pPr lvl="1"/>
             <a:r>
-              <a:rPr lang="en-US" altLang="zh-TW" smtClean="0"/>
+              <a:rPr lang="en-US" altLang="zh-TW"/>
               <a:t>Second level</a:t>
             </a:r>
           </a:p>
           <a:p>
             <a:pPr lvl="2"/>
             <a:r>
-              <a:rPr lang="en-US" altLang="zh-TW" smtClean="0"/>
+              <a:rPr lang="en-US" altLang="zh-TW"/>
               <a:t>Third level</a:t>
             </a:r>
           </a:p>
           <a:p>
             <a:pPr lvl="3"/>
             <a:r>
-              <a:rPr lang="en-US" altLang="zh-TW" smtClean="0"/>
+              <a:rPr lang="en-US" altLang="zh-TW"/>
               <a:t>Fourth level</a:t>
             </a:r>
           </a:p>
           <a:p>
             <a:pPr lvl="4"/>
             <a:r>
-              <a:rPr lang="en-US" altLang="zh-TW" smtClean="0"/>
+              <a:rPr lang="en-US" altLang="zh-TW"/>
               <a:t>Fifth level</a:t>
             </a:r>
             <a:endParaRPr lang="zh-TW" altLang="en-US"/>
@@ -1345,35 +1345,35 @@
           <a:p>
             <a:pPr lvl="0"/>
             <a:r>
-              <a:rPr lang="en-US" altLang="zh-TW" smtClean="0"/>
+              <a:rPr lang="en-US" altLang="zh-TW"/>
               <a:t>Edit Master text styles</a:t>
             </a:r>
           </a:p>
           <a:p>
             <a:pPr lvl="1"/>
             <a:r>
-              <a:rPr lang="en-US" altLang="zh-TW" smtClean="0"/>
+              <a:rPr lang="en-US" altLang="zh-TW"/>
               <a:t>Second level</a:t>
             </a:r>
           </a:p>
           <a:p>
             <a:pPr lvl="2"/>
             <a:r>
-              <a:rPr lang="en-US" altLang="zh-TW" smtClean="0"/>
+              <a:rPr lang="en-US" altLang="zh-TW"/>
               <a:t>Third level</a:t>
             </a:r>
           </a:p>
           <a:p>
             <a:pPr lvl="3"/>
             <a:r>
-              <a:rPr lang="en-US" altLang="zh-TW" smtClean="0"/>
+              <a:rPr lang="en-US" altLang="zh-TW"/>
               <a:t>Fourth level</a:t>
             </a:r>
           </a:p>
           <a:p>
             <a:pPr lvl="4"/>
             <a:r>
-              <a:rPr lang="en-US" altLang="zh-TW" smtClean="0"/>
+              <a:rPr lang="en-US" altLang="zh-TW"/>
               <a:t>Fifth level</a:t>
             </a:r>
             <a:endParaRPr lang="zh-TW" altLang="en-US"/>
@@ -1397,7 +1397,7 @@
           <a:p>
             <a:fld id="{9EA628F1-D616-4DC9-80D9-883686C037B6}" type="datetimeFigureOut">
               <a:rPr lang="vi-VN" smtClean="0"/>
-              <a:t>15/04/2022</a:t>
+              <a:t>16/12/2023</a:t>
             </a:fld>
             <a:endParaRPr lang="vi-VN"/>
           </a:p>
@@ -1495,7 +1495,7 @@
           </a:lstStyle>
           <a:p>
             <a:r>
-              <a:rPr lang="en-US" altLang="zh-TW" smtClean="0"/>
+              <a:rPr lang="en-US" altLang="zh-TW"/>
               <a:t>Click to edit Master title style</a:t>
             </a:r>
             <a:endParaRPr lang="zh-TW" altLang="en-US"/>
@@ -1561,7 +1561,7 @@
           <a:p>
             <a:pPr lvl="0"/>
             <a:r>
-              <a:rPr lang="en-US" altLang="zh-TW" smtClean="0"/>
+              <a:rPr lang="en-US" altLang="zh-TW"/>
               <a:t>Edit Master text styles</a:t>
             </a:r>
           </a:p>
@@ -1617,35 +1617,35 @@
           <a:p>
             <a:pPr lvl="0"/>
             <a:r>
-              <a:rPr lang="en-US" altLang="zh-TW" smtClean="0"/>
+              <a:rPr lang="en-US" altLang="zh-TW"/>
               <a:t>Edit Master text styles</a:t>
             </a:r>
           </a:p>
           <a:p>
             <a:pPr lvl="1"/>
             <a:r>
-              <a:rPr lang="en-US" altLang="zh-TW" smtClean="0"/>
+              <a:rPr lang="en-US" altLang="zh-TW"/>
               <a:t>Second level</a:t>
             </a:r>
           </a:p>
           <a:p>
             <a:pPr lvl="2"/>
             <a:r>
-              <a:rPr lang="en-US" altLang="zh-TW" smtClean="0"/>
+              <a:rPr lang="en-US" altLang="zh-TW"/>
               <a:t>Third level</a:t>
             </a:r>
           </a:p>
           <a:p>
             <a:pPr lvl="3"/>
             <a:r>
-              <a:rPr lang="en-US" altLang="zh-TW" smtClean="0"/>
+              <a:rPr lang="en-US" altLang="zh-TW"/>
               <a:t>Fourth level</a:t>
             </a:r>
           </a:p>
           <a:p>
             <a:pPr lvl="4"/>
             <a:r>
-              <a:rPr lang="en-US" altLang="zh-TW" smtClean="0"/>
+              <a:rPr lang="en-US" altLang="zh-TW"/>
               <a:t>Fifth level</a:t>
             </a:r>
             <a:endParaRPr lang="zh-TW" altLang="en-US"/>
@@ -1711,7 +1711,7 @@
           <a:p>
             <a:pPr lvl="0"/>
             <a:r>
-              <a:rPr lang="en-US" altLang="zh-TW" smtClean="0"/>
+              <a:rPr lang="en-US" altLang="zh-TW"/>
               <a:t>Edit Master text styles</a:t>
             </a:r>
           </a:p>
@@ -1767,35 +1767,35 @@
           <a:p>
             <a:pPr lvl="0"/>
             <a:r>
-              <a:rPr lang="en-US" altLang="zh-TW" smtClean="0"/>
+              <a:rPr lang="en-US" altLang="zh-TW"/>
               <a:t>Edit Master text styles</a:t>
             </a:r>
           </a:p>
           <a:p>
             <a:pPr lvl="1"/>
             <a:r>
-              <a:rPr lang="en-US" altLang="zh-TW" smtClean="0"/>
+              <a:rPr lang="en-US" altLang="zh-TW"/>
               <a:t>Second level</a:t>
             </a:r>
           </a:p>
           <a:p>
             <a:pPr lvl="2"/>
             <a:r>
-              <a:rPr lang="en-US" altLang="zh-TW" smtClean="0"/>
+              <a:rPr lang="en-US" altLang="zh-TW"/>
               <a:t>Third level</a:t>
             </a:r>
           </a:p>
           <a:p>
             <a:pPr lvl="3"/>
             <a:r>
-              <a:rPr lang="en-US" altLang="zh-TW" smtClean="0"/>
+              <a:rPr lang="en-US" altLang="zh-TW"/>
               <a:t>Fourth level</a:t>
             </a:r>
           </a:p>
           <a:p>
             <a:pPr lvl="4"/>
             <a:r>
-              <a:rPr lang="en-US" altLang="zh-TW" smtClean="0"/>
+              <a:rPr lang="en-US" altLang="zh-TW"/>
               <a:t>Fifth level</a:t>
             </a:r>
             <a:endParaRPr lang="zh-TW" altLang="en-US"/>
@@ -1819,7 +1819,7 @@
           <a:p>
             <a:fld id="{9EA628F1-D616-4DC9-80D9-883686C037B6}" type="datetimeFigureOut">
               <a:rPr lang="vi-VN" smtClean="0"/>
-              <a:t>15/04/2022</a:t>
+              <a:t>16/12/2023</a:t>
             </a:fld>
             <a:endParaRPr lang="vi-VN"/>
           </a:p>
@@ -1913,7 +1913,7 @@
           <a:lstStyle/>
           <a:p>
             <a:r>
-              <a:rPr lang="en-US" altLang="zh-TW" smtClean="0"/>
+              <a:rPr lang="en-US" altLang="zh-TW"/>
               <a:t>Click to edit Master title style</a:t>
             </a:r>
             <a:endParaRPr lang="zh-TW" altLang="en-US"/>
@@ -1937,7 +1937,7 @@
           <a:p>
             <a:fld id="{9EA628F1-D616-4DC9-80D9-883686C037B6}" type="datetimeFigureOut">
               <a:rPr lang="vi-VN" smtClean="0"/>
-              <a:t>15/04/2022</a:t>
+              <a:t>16/12/2023</a:t>
             </a:fld>
             <a:endParaRPr lang="vi-VN"/>
           </a:p>
@@ -2032,7 +2032,7 @@
           <a:p>
             <a:fld id="{9EA628F1-D616-4DC9-80D9-883686C037B6}" type="datetimeFigureOut">
               <a:rPr lang="vi-VN" smtClean="0"/>
-              <a:t>15/04/2022</a:t>
+              <a:t>16/12/2023</a:t>
             </a:fld>
             <a:endParaRPr lang="vi-VN"/>
           </a:p>
@@ -2135,7 +2135,7 @@
           </a:lstStyle>
           <a:p>
             <a:r>
-              <a:rPr lang="en-US" altLang="zh-TW" smtClean="0"/>
+              <a:rPr lang="en-US" altLang="zh-TW"/>
               <a:t>Click to edit Master title style</a:t>
             </a:r>
             <a:endParaRPr lang="zh-TW" altLang="en-US"/>
@@ -2192,35 +2192,35 @@
           <a:p>
             <a:pPr lvl="0"/>
             <a:r>
-              <a:rPr lang="en-US" altLang="zh-TW" smtClean="0"/>
+              <a:rPr lang="en-US" altLang="zh-TW"/>
               <a:t>Edit Master text styles</a:t>
             </a:r>
           </a:p>
           <a:p>
             <a:pPr lvl="1"/>
             <a:r>
-              <a:rPr lang="en-US" altLang="zh-TW" smtClean="0"/>
+              <a:rPr lang="en-US" altLang="zh-TW"/>
               <a:t>Second level</a:t>
             </a:r>
           </a:p>
           <a:p>
             <a:pPr lvl="2"/>
             <a:r>
-              <a:rPr lang="en-US" altLang="zh-TW" smtClean="0"/>
+              <a:rPr lang="en-US" altLang="zh-TW"/>
               <a:t>Third level</a:t>
             </a:r>
           </a:p>
           <a:p>
             <a:pPr lvl="3"/>
             <a:r>
-              <a:rPr lang="en-US" altLang="zh-TW" smtClean="0"/>
+              <a:rPr lang="en-US" altLang="zh-TW"/>
               <a:t>Fourth level</a:t>
             </a:r>
           </a:p>
           <a:p>
             <a:pPr lvl="4"/>
             <a:r>
-              <a:rPr lang="en-US" altLang="zh-TW" smtClean="0"/>
+              <a:rPr lang="en-US" altLang="zh-TW"/>
               <a:t>Fifth level</a:t>
             </a:r>
             <a:endParaRPr lang="zh-TW" altLang="en-US"/>
@@ -2286,7 +2286,7 @@
           <a:p>
             <a:pPr lvl="0"/>
             <a:r>
-              <a:rPr lang="en-US" altLang="zh-TW" smtClean="0"/>
+              <a:rPr lang="en-US" altLang="zh-TW"/>
               <a:t>Edit Master text styles</a:t>
             </a:r>
           </a:p>
@@ -2309,7 +2309,7 @@
           <a:p>
             <a:fld id="{9EA628F1-D616-4DC9-80D9-883686C037B6}" type="datetimeFigureOut">
               <a:rPr lang="vi-VN" smtClean="0"/>
-              <a:t>15/04/2022</a:t>
+              <a:t>16/12/2023</a:t>
             </a:fld>
             <a:endParaRPr lang="vi-VN"/>
           </a:p>
@@ -2412,7 +2412,7 @@
           </a:lstStyle>
           <a:p>
             <a:r>
-              <a:rPr lang="en-US" altLang="zh-TW" smtClean="0"/>
+              <a:rPr lang="en-US" altLang="zh-TW"/>
               <a:t>Click to edit Master title style</a:t>
             </a:r>
             <a:endParaRPr lang="zh-TW" altLang="en-US"/>
@@ -2477,7 +2477,7 @@
           </a:lstStyle>
           <a:p>
             <a:r>
-              <a:rPr lang="en-US" altLang="zh-TW" smtClean="0"/>
+              <a:rPr lang="en-US" altLang="zh-TW"/>
               <a:t>Click icon to add picture</a:t>
             </a:r>
             <a:endParaRPr lang="zh-TW" altLang="en-US"/>
@@ -2543,7 +2543,7 @@
           <a:p>
             <a:pPr lvl="0"/>
             <a:r>
-              <a:rPr lang="en-US" altLang="zh-TW" smtClean="0"/>
+              <a:rPr lang="en-US" altLang="zh-TW"/>
               <a:t>Edit Master text styles</a:t>
             </a:r>
           </a:p>
@@ -2566,7 +2566,7 @@
           <a:p>
             <a:fld id="{9EA628F1-D616-4DC9-80D9-883686C037B6}" type="datetimeFigureOut">
               <a:rPr lang="vi-VN" smtClean="0"/>
-              <a:t>15/04/2022</a:t>
+              <a:t>16/12/2023</a:t>
             </a:fld>
             <a:endParaRPr lang="vi-VN"/>
           </a:p>
@@ -2680,10 +2680,9 @@
           <a:lstStyle/>
           <a:p>
             <a:r>
-              <a:rPr lang="zh-TW" altLang="en-US" smtClean="0"/>
+              <a:rPr lang="zh-TW" altLang="en-US"/>
               <a:t>按一下以編輯母片標題樣式</a:t>
             </a:r>
-            <a:endParaRPr lang="zh-TW" altLang="en-US"/>
           </a:p>
         </p:txBody>
       </p:sp>
@@ -2714,38 +2713,37 @@
           <a:p>
             <a:pPr lvl="0"/>
             <a:r>
-              <a:rPr lang="zh-TW" altLang="en-US" smtClean="0"/>
+              <a:rPr lang="zh-TW" altLang="en-US"/>
               <a:t>按一下以編輯母片文字樣式</a:t>
             </a:r>
           </a:p>
           <a:p>
             <a:pPr lvl="1"/>
             <a:r>
-              <a:rPr lang="zh-TW" altLang="en-US" smtClean="0"/>
+              <a:rPr lang="zh-TW" altLang="en-US"/>
               <a:t>第二層</a:t>
             </a:r>
           </a:p>
           <a:p>
             <a:pPr lvl="2"/>
             <a:r>
-              <a:rPr lang="zh-TW" altLang="en-US" smtClean="0"/>
+              <a:rPr lang="zh-TW" altLang="en-US"/>
               <a:t>第三層</a:t>
             </a:r>
           </a:p>
           <a:p>
             <a:pPr lvl="3"/>
             <a:r>
-              <a:rPr lang="zh-TW" altLang="en-US" smtClean="0"/>
+              <a:rPr lang="zh-TW" altLang="en-US"/>
               <a:t>第四層</a:t>
             </a:r>
           </a:p>
           <a:p>
             <a:pPr lvl="4"/>
             <a:r>
-              <a:rPr lang="zh-TW" altLang="en-US" smtClean="0"/>
+              <a:rPr lang="zh-TW" altLang="en-US"/>
               <a:t>第五層</a:t>
             </a:r>
-            <a:endParaRPr lang="zh-TW" altLang="en-US"/>
           </a:p>
         </p:txBody>
       </p:sp>
@@ -2784,7 +2782,7 @@
           <a:p>
             <a:fld id="{9EA628F1-D616-4DC9-80D9-883686C037B6}" type="datetimeFigureOut">
               <a:rPr lang="vi-VN" smtClean="0"/>
-              <a:t>15/04/2022</a:t>
+              <a:t>16/12/2023</a:t>
             </a:fld>
             <a:endParaRPr lang="vi-VN"/>
           </a:p>
@@ -3182,7 +3180,41 @@
           <a:lstStyle/>
           <a:p>
             <a:r>
-              <a:rPr lang="zh-CN" altLang="en-US" sz="7200" b="1" i="1" dirty="0">
+              <a:rPr lang="zh-CN" altLang="en-US" sz="6600" b="1" i="1" dirty="0">
+                <a:solidFill>
+                  <a:srgbClr val="660033"/>
+                </a:solidFill>
+                <a:effectLst>
+                  <a:outerShdw blurRad="38100" dist="38100" dir="2700000" algn="tl">
+                    <a:srgbClr val="000000">
+                      <a:alpha val="43137"/>
+                    </a:srgbClr>
+                  </a:outerShdw>
+                </a:effectLst>
+                <a:latin typeface="微軟正黑體" pitchFamily="34" charset="-120"/>
+                <a:ea typeface="微軟正黑體" pitchFamily="34" charset="-120"/>
+              </a:rPr>
+              <a:t>宣 </a:t>
+            </a:r>
+            <a:r>
+              <a:rPr lang="en-US" altLang="zh-CN" sz="6600" b="1" i="1" dirty="0">
+                <a:solidFill>
+                  <a:srgbClr val="660033"/>
+                </a:solidFill>
+                <a:effectLst>
+                  <a:outerShdw blurRad="38100" dist="38100" dir="2700000" algn="tl">
+                    <a:srgbClr val="000000">
+                      <a:alpha val="43137"/>
+                    </a:srgbClr>
+                  </a:outerShdw>
+                </a:effectLst>
+                <a:latin typeface="微軟正黑體" pitchFamily="34" charset="-120"/>
+                <a:ea typeface="微軟正黑體" pitchFamily="34" charset="-120"/>
+              </a:rPr>
+              <a:t>116 - </a:t>
+            </a:r>
+            <a:r>
+              <a:rPr lang="zh-CN" altLang="en-US" sz="6600" b="1" i="1" dirty="0">
                 <a:solidFill>
                   <a:srgbClr val="660033"/>
                 </a:solidFill>
@@ -3198,7 +3230,7 @@
               </a:rPr>
               <a:t>快樂日</a:t>
             </a:r>
-            <a:endParaRPr lang="zh-TW" altLang="en-US" sz="7200" b="1" i="1" dirty="0">
+            <a:endParaRPr lang="zh-TW" altLang="en-US" sz="6600" b="1" i="1" dirty="0">
               <a:solidFill>
                 <a:srgbClr val="660033"/>
               </a:solidFill>
@@ -3253,6 +3285,24 @@
             </a:lvl1pPr>
           </a:lstStyle>
           <a:p>
+            <a:r>
+              <a:rPr lang="en-US" altLang="zh-CN" sz="5400" b="1" i="1" dirty="0">
+                <a:solidFill>
+                  <a:srgbClr val="000066"/>
+                </a:solidFill>
+                <a:effectLst>
+                  <a:outerShdw blurRad="38100" dist="38100" dir="2700000" algn="tl">
+                    <a:srgbClr val="000000">
+                      <a:alpha val="43137"/>
+                    </a:srgbClr>
+                  </a:outerShdw>
+                </a:effectLst>
+                <a:latin typeface="Calibri" panose="020F0502020204030204" pitchFamily="34" charset="0"/>
+                <a:ea typeface="微軟正黑體" pitchFamily="34" charset="-120"/>
+                <a:cs typeface="Calibri" panose="020F0502020204030204" pitchFamily="34" charset="0"/>
+              </a:rPr>
+              <a:t>TC 210 - </a:t>
+            </a:r>
             <a:r>
               <a:rPr lang="en-US" altLang="zh-CN" sz="5400" b="1" i="1" dirty="0" err="1">
                 <a:solidFill>
@@ -4137,23 +4187,7 @@
                   <a:srgbClr val="000066"/>
                 </a:solidFill>
               </a:rPr>
-              <a:t>( </a:t>
-            </a:r>
-            <a:r>
-              <a:rPr lang="en-US" sz="4267" b="1" dirty="0" smtClean="0">
-                <a:solidFill>
-                  <a:srgbClr val="000066"/>
-                </a:solidFill>
-              </a:rPr>
-              <a:t>2 </a:t>
-            </a:r>
-            <a:r>
-              <a:rPr lang="en-US" sz="4267" b="1" dirty="0">
-                <a:solidFill>
-                  <a:srgbClr val="000066"/>
-                </a:solidFill>
-              </a:rPr>
-              <a:t>/ 5 )</a:t>
+              <a:t>( 2 / 5 )</a:t>
             </a:r>
             <a:endParaRPr lang="vi-VN" sz="4267" b="1" dirty="0">
               <a:solidFill>
@@ -6313,23 +6347,7 @@
                   <a:srgbClr val="000066"/>
                 </a:solidFill>
               </a:rPr>
-              <a:t>( </a:t>
-            </a:r>
-            <a:r>
-              <a:rPr lang="en-US" sz="4267" b="1" dirty="0" smtClean="0">
-                <a:solidFill>
-                  <a:srgbClr val="000066"/>
-                </a:solidFill>
-              </a:rPr>
-              <a:t>1 / 5 </a:t>
-            </a:r>
-            <a:r>
-              <a:rPr lang="en-US" sz="4267" b="1" dirty="0">
-                <a:solidFill>
-                  <a:srgbClr val="000066"/>
-                </a:solidFill>
-              </a:rPr>
-              <a:t>)</a:t>
+              <a:t>( 1 / 5 )</a:t>
             </a:r>
             <a:endParaRPr lang="vi-VN" sz="4267" b="1" dirty="0">
               <a:solidFill>
@@ -7115,23 +7133,7 @@
                   <a:srgbClr val="000066"/>
                 </a:solidFill>
               </a:rPr>
-              <a:t>( </a:t>
-            </a:r>
-            <a:r>
-              <a:rPr lang="en-US" sz="4267" b="1" dirty="0" smtClean="0">
-                <a:solidFill>
-                  <a:srgbClr val="000066"/>
-                </a:solidFill>
-              </a:rPr>
-              <a:t>3 </a:t>
-            </a:r>
-            <a:r>
-              <a:rPr lang="en-US" sz="4267" b="1" dirty="0">
-                <a:solidFill>
-                  <a:srgbClr val="000066"/>
-                </a:solidFill>
-              </a:rPr>
-              <a:t>/ 5 )</a:t>
+              <a:t>( 3 / 5 )</a:t>
             </a:r>
             <a:endParaRPr lang="vi-VN" sz="4267" b="1" dirty="0">
               <a:solidFill>
@@ -10097,23 +10099,7 @@
                   <a:srgbClr val="000066"/>
                 </a:solidFill>
               </a:rPr>
-              <a:t>( </a:t>
-            </a:r>
-            <a:r>
-              <a:rPr lang="en-US" sz="4267" b="1" dirty="0" smtClean="0">
-                <a:solidFill>
-                  <a:srgbClr val="000066"/>
-                </a:solidFill>
-              </a:rPr>
-              <a:t>4 </a:t>
-            </a:r>
-            <a:r>
-              <a:rPr lang="en-US" sz="4267" b="1" dirty="0">
-                <a:solidFill>
-                  <a:srgbClr val="000066"/>
-                </a:solidFill>
-              </a:rPr>
-              <a:t>/ 5 )</a:t>
+              <a:t>( 4 / 5 )</a:t>
             </a:r>
             <a:endParaRPr lang="vi-VN" sz="4267" b="1" dirty="0">
               <a:solidFill>
@@ -13122,23 +13108,7 @@
                   <a:srgbClr val="000066"/>
                 </a:solidFill>
               </a:rPr>
-              <a:t>( </a:t>
-            </a:r>
-            <a:r>
-              <a:rPr lang="en-US" sz="4267" b="1" dirty="0" smtClean="0">
-                <a:solidFill>
-                  <a:srgbClr val="000066"/>
-                </a:solidFill>
-              </a:rPr>
-              <a:t>5 </a:t>
-            </a:r>
-            <a:r>
-              <a:rPr lang="en-US" sz="4267" b="1" dirty="0">
-                <a:solidFill>
-                  <a:srgbClr val="000066"/>
-                </a:solidFill>
-              </a:rPr>
-              <a:t>/ 5 )</a:t>
+              <a:t>( 5 / 5 )</a:t>
             </a:r>
             <a:endParaRPr lang="vi-VN" sz="4267" b="1" dirty="0">
               <a:solidFill>
